--- a/Friday May 12th Presentation.pptx
+++ b/Friday May 12th Presentation.pptx
@@ -11,8 +11,9 @@
     <p:sldId id="272" r:id="rId5"/>
     <p:sldId id="273" r:id="rId6"/>
     <p:sldId id="274" r:id="rId7"/>
-    <p:sldId id="270" r:id="rId8"/>
-    <p:sldId id="266" r:id="rId9"/>
+    <p:sldId id="276" r:id="rId8"/>
+    <p:sldId id="275" r:id="rId9"/>
+    <p:sldId id="266" r:id="rId10"/>
   </p:sldIdLst>
   <p:sldSz cx="12192000" cy="6858000"/>
   <p:notesSz cx="6858000" cy="9144000"/>
@@ -122,7 +123,8 @@
             <p14:sldId id="272"/>
             <p14:sldId id="273"/>
             <p14:sldId id="274"/>
-            <p14:sldId id="270"/>
+            <p14:sldId id="276"/>
+            <p14:sldId id="275"/>
             <p14:sldId id="266"/>
           </p14:sldIdLst>
         </p14:section>
@@ -873,7 +875,7 @@
             <a:fld id="{B61BEF0D-F0BB-DE4B-95CE-6DB70DBA9567}" type="datetimeFigureOut">
               <a:rPr lang="en-US" dirty="0"/>
               <a:pPr/>
-              <a:t>5/11/2017</a:t>
+              <a:t>5/12/2017</a:t>
             </a:fld>
             <a:endParaRPr lang="en-US" dirty="0"/>
           </a:p>
@@ -1121,7 +1123,7 @@
             <a:fld id="{B61BEF0D-F0BB-DE4B-95CE-6DB70DBA9567}" type="datetimeFigureOut">
               <a:rPr lang="en-US" dirty="0"/>
               <a:pPr/>
-              <a:t>5/11/2017</a:t>
+              <a:t>5/12/2017</a:t>
             </a:fld>
             <a:endParaRPr lang="en-US" dirty="0"/>
           </a:p>
@@ -1432,7 +1434,7 @@
             <a:fld id="{B61BEF0D-F0BB-DE4B-95CE-6DB70DBA9567}" type="datetimeFigureOut">
               <a:rPr lang="en-US" dirty="0"/>
               <a:pPr/>
-              <a:t>5/11/2017</a:t>
+              <a:t>5/12/2017</a:t>
             </a:fld>
             <a:endParaRPr lang="en-US" dirty="0"/>
           </a:p>
@@ -1770,7 +1772,7 @@
             <a:fld id="{B61BEF0D-F0BB-DE4B-95CE-6DB70DBA9567}" type="datetimeFigureOut">
               <a:rPr lang="en-US" dirty="0"/>
               <a:pPr/>
-              <a:t>5/11/2017</a:t>
+              <a:t>5/12/2017</a:t>
             </a:fld>
             <a:endParaRPr lang="en-US" dirty="0"/>
           </a:p>
@@ -2081,7 +2083,7 @@
             <a:fld id="{B61BEF0D-F0BB-DE4B-95CE-6DB70DBA9567}" type="datetimeFigureOut">
               <a:rPr lang="en-US" dirty="0"/>
               <a:pPr/>
-              <a:t>5/11/2017</a:t>
+              <a:t>5/12/2017</a:t>
             </a:fld>
             <a:endParaRPr lang="en-US" dirty="0"/>
           </a:p>
@@ -2471,7 +2473,7 @@
             <a:fld id="{B61BEF0D-F0BB-DE4B-95CE-6DB70DBA9567}" type="datetimeFigureOut">
               <a:rPr lang="en-US" dirty="0"/>
               <a:pPr/>
-              <a:t>5/11/2017</a:t>
+              <a:t>5/12/2017</a:t>
             </a:fld>
             <a:endParaRPr lang="en-US" dirty="0"/>
           </a:p>
@@ -2637,7 +2639,7 @@
           <a:p>
             <a:fld id="{55C6B4A9-1611-4792-9094-5F34BCA07E0B}" type="datetimeFigureOut">
               <a:rPr lang="en-US" dirty="0"/>
-              <a:t>5/11/2017</a:t>
+              <a:t>5/12/2017</a:t>
             </a:fld>
             <a:endParaRPr lang="en-US" dirty="0"/>
           </a:p>
@@ -2813,7 +2815,7 @@
             <a:fld id="{B61BEF0D-F0BB-DE4B-95CE-6DB70DBA9567}" type="datetimeFigureOut">
               <a:rPr lang="en-US" dirty="0"/>
               <a:pPr/>
-              <a:t>5/11/2017</a:t>
+              <a:t>5/12/2017</a:t>
             </a:fld>
             <a:endParaRPr lang="en-US" dirty="0"/>
           </a:p>
@@ -2986,7 +2988,7 @@
             <a:fld id="{B61BEF0D-F0BB-DE4B-95CE-6DB70DBA9567}" type="datetimeFigureOut">
               <a:rPr lang="en-US" dirty="0"/>
               <a:pPr/>
-              <a:t>5/11/2017</a:t>
+              <a:t>5/12/2017</a:t>
             </a:fld>
             <a:endParaRPr lang="en-US" dirty="0"/>
           </a:p>
@@ -3230,7 +3232,7 @@
             <a:fld id="{B61BEF0D-F0BB-DE4B-95CE-6DB70DBA9567}" type="datetimeFigureOut">
               <a:rPr lang="en-US" dirty="0"/>
               <a:pPr/>
-              <a:t>5/11/2017</a:t>
+              <a:t>5/12/2017</a:t>
             </a:fld>
             <a:endParaRPr lang="en-US" dirty="0"/>
           </a:p>
@@ -3458,7 +3460,7 @@
           <a:p>
             <a:fld id="{EB712588-04B1-427B-82EE-E8DB90309F08}" type="datetimeFigureOut">
               <a:rPr lang="en-US" dirty="0"/>
-              <a:t>5/11/2017</a:t>
+              <a:t>5/12/2017</a:t>
             </a:fld>
             <a:endParaRPr lang="en-US" dirty="0"/>
           </a:p>
@@ -3828,7 +3830,7 @@
             <a:fld id="{B61BEF0D-F0BB-DE4B-95CE-6DB70DBA9567}" type="datetimeFigureOut">
               <a:rPr lang="en-US" dirty="0"/>
               <a:pPr/>
-              <a:t>5/11/2017</a:t>
+              <a:t>5/12/2017</a:t>
             </a:fld>
             <a:endParaRPr lang="en-US" dirty="0"/>
           </a:p>
@@ -3948,7 +3950,7 @@
             <a:fld id="{B61BEF0D-F0BB-DE4B-95CE-6DB70DBA9567}" type="datetimeFigureOut">
               <a:rPr lang="en-US" dirty="0"/>
               <a:pPr/>
-              <a:t>5/11/2017</a:t>
+              <a:t>5/12/2017</a:t>
             </a:fld>
             <a:endParaRPr lang="en-US" dirty="0"/>
           </a:p>
@@ -4040,7 +4042,7 @@
             <a:fld id="{B61BEF0D-F0BB-DE4B-95CE-6DB70DBA9567}" type="datetimeFigureOut">
               <a:rPr lang="en-US" dirty="0"/>
               <a:pPr/>
-              <a:t>5/11/2017</a:t>
+              <a:t>5/12/2017</a:t>
             </a:fld>
             <a:endParaRPr lang="en-US" dirty="0"/>
           </a:p>
@@ -4291,7 +4293,7 @@
           <a:p>
             <a:fld id="{42A54C80-263E-416B-A8E0-580EDEADCBDC}" type="datetimeFigureOut">
               <a:rPr lang="en-US" dirty="0"/>
-              <a:t>5/11/2017</a:t>
+              <a:t>5/12/2017</a:t>
             </a:fld>
             <a:endParaRPr lang="en-US" dirty="0"/>
           </a:p>
@@ -4550,7 +4552,7 @@
             <a:fld id="{B61BEF0D-F0BB-DE4B-95CE-6DB70DBA9567}" type="datetimeFigureOut">
               <a:rPr lang="en-US" dirty="0"/>
               <a:pPr/>
-              <a:t>5/11/2017</a:t>
+              <a:t>5/12/2017</a:t>
             </a:fld>
             <a:endParaRPr lang="en-US" dirty="0"/>
           </a:p>
@@ -5290,7 +5292,7 @@
             <a:fld id="{B61BEF0D-F0BB-DE4B-95CE-6DB70DBA9567}" type="datetimeFigureOut">
               <a:rPr lang="en-US" dirty="0"/>
               <a:pPr/>
-              <a:t>5/11/2017</a:t>
+              <a:t>5/12/2017</a:t>
             </a:fld>
             <a:endParaRPr lang="en-US" dirty="0"/>
           </a:p>
@@ -6792,13 +6794,13 @@
           <a:lstStyle/>
           <a:p>
             <a:r>
-              <a:rPr lang="en-US" sz="2800" dirty="0"/>
+              <a:rPr lang="en-US" sz="3200" dirty="0"/>
               <a:t>We worked on the UI in a timely manner</a:t>
             </a:r>
           </a:p>
           <a:p>
             <a:r>
-              <a:rPr lang="en-US" sz="2800" dirty="0"/>
+              <a:rPr lang="en-US" sz="3200" dirty="0"/>
               <a:t>No conflict</a:t>
             </a:r>
           </a:p>
@@ -6875,14 +6877,28 @@
           <a:lstStyle/>
           <a:p>
             <a:r>
-              <a:rPr lang="en-US" sz="2800" dirty="0"/>
+              <a:rPr lang="en-US" sz="3200" dirty="0"/>
               <a:t>The lack of communication outside of labs/lectures</a:t>
             </a:r>
           </a:p>
           <a:p>
             <a:r>
-              <a:rPr lang="en-US" sz="2800" dirty="0"/>
+              <a:rPr lang="en-US" sz="3200" dirty="0"/>
               <a:t>The indecisiveness on the project</a:t>
+            </a:r>
+          </a:p>
+          <a:p>
+            <a:r>
+              <a:rPr lang="en-US" sz="3200" dirty="0"/>
+              <a:t>The </a:t>
+            </a:r>
+            <a:r>
+              <a:rPr lang="en-US" sz="3200" dirty="0" err="1"/>
+              <a:t>github</a:t>
+            </a:r>
+            <a:r>
+              <a:rPr lang="en-US" sz="3200" dirty="0"/>
+              <a:t> develop branch difficulty</a:t>
             </a:r>
           </a:p>
           <a:p>
@@ -6958,14 +6974,28 @@
           <a:lstStyle/>
           <a:p>
             <a:r>
-              <a:rPr lang="en-US" sz="2800" dirty="0"/>
+              <a:rPr lang="en-US" sz="3600" dirty="0"/>
               <a:t>More input on the project</a:t>
             </a:r>
           </a:p>
           <a:p>
             <a:r>
-              <a:rPr lang="en-US" sz="2800" dirty="0"/>
+              <a:rPr lang="en-US" sz="3600" dirty="0"/>
               <a:t>Communicate more outside of labs/lecture</a:t>
+            </a:r>
+          </a:p>
+          <a:p>
+            <a:r>
+              <a:rPr lang="en-US" sz="3600" dirty="0"/>
+              <a:t>Practice more with </a:t>
+            </a:r>
+            <a:r>
+              <a:rPr lang="en-US" sz="3600" dirty="0" err="1"/>
+              <a:t>github</a:t>
+            </a:r>
+            <a:r>
+              <a:rPr lang="en-US" sz="3600" dirty="0"/>
+              <a:t> branching</a:t>
             </a:r>
           </a:p>
           <a:p>
@@ -7023,389 +7053,51 @@
           <a:p>
             <a:r>
               <a:rPr lang="en-US" dirty="0"/>
-              <a:t>Affiliated Applications</a:t>
-            </a:r>
-          </a:p>
-        </p:txBody>
-      </p:sp>
-      <p:graphicFrame>
-        <p:nvGraphicFramePr>
-          <p:cNvPr id="10" name="Content Placeholder 9"/>
-          <p:cNvGraphicFramePr>
-            <a:graphicFrameLocks noGrp="1"/>
-          </p:cNvGraphicFramePr>
+              <a:t>Sprint #1 Testing</a:t>
+            </a:r>
+          </a:p>
+        </p:txBody>
+      </p:sp>
+      <p:sp>
+        <p:nvSpPr>
+          <p:cNvPr id="3" name="Content Placeholder 2"/>
+          <p:cNvSpPr>
+            <a:spLocks noGrp="1"/>
+          </p:cNvSpPr>
           <p:nvPr>
             <p:ph idx="1"/>
-            <p:extLst>
-              <p:ext uri="{D42A27DB-BD31-4B8C-83A1-F6EECF244321}">
-                <p14:modId xmlns:p14="http://schemas.microsoft.com/office/powerpoint/2010/main" val="2684339084"/>
-              </p:ext>
-            </p:extLst>
-          </p:nvPr>
-        </p:nvGraphicFramePr>
-        <p:xfrm>
-          <a:off x="677863" y="1611086"/>
-          <a:ext cx="8596311" cy="4796975"/>
-        </p:xfrm>
-        <a:graphic>
-          <a:graphicData uri="http://schemas.openxmlformats.org/drawingml/2006/table">
-            <a:tbl>
-              <a:tblPr firstRow="1" bandRow="1">
-                <a:tableStyleId>{5C22544A-7EE6-4342-B048-85BDC9FD1C3A}</a:tableStyleId>
-              </a:tblPr>
-              <a:tblGrid>
-                <a:gridCol w="2217737">
-                  <a:extLst>
-                    <a:ext uri="{9D8B030D-6E8A-4147-A177-3AD203B41FA5}">
-                      <a16:colId xmlns:a16="http://schemas.microsoft.com/office/drawing/2014/main" val="2984687595"/>
-                    </a:ext>
-                  </a:extLst>
-                </a:gridCol>
-                <a:gridCol w="1153886">
-                  <a:extLst>
-                    <a:ext uri="{9D8B030D-6E8A-4147-A177-3AD203B41FA5}">
-                      <a16:colId xmlns:a16="http://schemas.microsoft.com/office/drawing/2014/main" val="299333604"/>
-                    </a:ext>
-                  </a:extLst>
-                </a:gridCol>
-                <a:gridCol w="5224688">
-                  <a:extLst>
-                    <a:ext uri="{9D8B030D-6E8A-4147-A177-3AD203B41FA5}">
-                      <a16:colId xmlns:a16="http://schemas.microsoft.com/office/drawing/2014/main" val="279191358"/>
-                    </a:ext>
-                  </a:extLst>
-                </a:gridCol>
-              </a:tblGrid>
-              <a:tr h="776515">
-                <a:tc>
-                  <a:txBody>
-                    <a:bodyPr/>
-                    <a:lstStyle/>
-                    <a:p>
-                      <a:pPr algn="ctr"/>
-                      <a:r>
-                        <a:rPr lang="en-US" dirty="0"/>
-                        <a:t>Application</a:t>
-                      </a:r>
-                    </a:p>
-                  </a:txBody>
-                  <a:tcPr/>
-                </a:tc>
-                <a:tc>
-                  <a:txBody>
-                    <a:bodyPr/>
-                    <a:lstStyle/>
-                    <a:p>
-                      <a:pPr algn="ctr"/>
-                      <a:r>
-                        <a:rPr lang="en-US" dirty="0"/>
-                        <a:t>Group Number</a:t>
-                      </a:r>
-                    </a:p>
-                  </a:txBody>
-                  <a:tcPr/>
-                </a:tc>
-                <a:tc>
-                  <a:txBody>
-                    <a:bodyPr/>
-                    <a:lstStyle/>
-                    <a:p>
-                      <a:pPr algn="ctr"/>
-                      <a:r>
-                        <a:rPr lang="en-US" dirty="0"/>
-                        <a:t>Description</a:t>
-                      </a:r>
-                    </a:p>
-                  </a:txBody>
-                  <a:tcPr/>
-                </a:tc>
-                <a:extLst>
-                  <a:ext uri="{0D108BD9-81ED-4DB2-BD59-A6C34878D82A}">
-                    <a16:rowId xmlns:a16="http://schemas.microsoft.com/office/drawing/2014/main" val="4132265559"/>
-                  </a:ext>
-                </a:extLst>
-              </a:tr>
-              <a:tr h="776515">
-                <a:tc>
-                  <a:txBody>
-                    <a:bodyPr/>
-                    <a:lstStyle/>
-                    <a:p>
-                      <a:r>
-                        <a:rPr lang="en-US" dirty="0"/>
-                        <a:t>Waste</a:t>
-                      </a:r>
-                    </a:p>
-                  </a:txBody>
-                  <a:tcPr/>
-                </a:tc>
-                <a:tc>
-                  <a:txBody>
-                    <a:bodyPr/>
-                    <a:lstStyle/>
-                    <a:p>
-                      <a:r>
-                        <a:rPr lang="en-US" dirty="0"/>
-                        <a:t>23</a:t>
-                      </a:r>
-                    </a:p>
-                  </a:txBody>
-                  <a:tcPr/>
-                </a:tc>
-                <a:tc>
-                  <a:txBody>
-                    <a:bodyPr/>
-                    <a:lstStyle/>
-                    <a:p>
-                      <a:r>
-                        <a:rPr lang="en-US" sz="1800" b="0" i="0" kern="1200" dirty="0">
-                          <a:solidFill>
-                            <a:schemeClr val="dk1"/>
-                          </a:solidFill>
-                          <a:effectLst/>
-                          <a:latin typeface="+mn-lt"/>
-                          <a:ea typeface="+mn-ea"/>
-                          <a:cs typeface="+mn-cs"/>
-                        </a:rPr>
-                        <a:t>An App to track food usage/wastage</a:t>
-                      </a:r>
-                      <a:endParaRPr lang="en-US" dirty="0"/>
-                    </a:p>
-                  </a:txBody>
-                  <a:tcPr/>
-                </a:tc>
-                <a:extLst>
-                  <a:ext uri="{0D108BD9-81ED-4DB2-BD59-A6C34878D82A}">
-                    <a16:rowId xmlns:a16="http://schemas.microsoft.com/office/drawing/2014/main" val="3544123363"/>
-                  </a:ext>
-                </a:extLst>
-              </a:tr>
-              <a:tr h="776515">
-                <a:tc>
-                  <a:txBody>
-                    <a:bodyPr/>
-                    <a:lstStyle/>
-                    <a:p>
-                      <a:r>
-                        <a:rPr lang="en-US" dirty="0"/>
-                        <a:t>Pocket Pantry</a:t>
-                      </a:r>
-                    </a:p>
-                  </a:txBody>
-                  <a:tcPr/>
-                </a:tc>
-                <a:tc>
-                  <a:txBody>
-                    <a:bodyPr/>
-                    <a:lstStyle/>
-                    <a:p>
-                      <a:r>
-                        <a:rPr lang="en-US" dirty="0"/>
-                        <a:t>8</a:t>
-                      </a:r>
-                    </a:p>
-                  </a:txBody>
-                  <a:tcPr/>
-                </a:tc>
-                <a:tc>
-                  <a:txBody>
-                    <a:bodyPr/>
-                    <a:lstStyle/>
-                    <a:p>
-                      <a:r>
-                        <a:rPr lang="en-US" dirty="0"/>
-                        <a:t>A meal planner &amp; grocery list</a:t>
-                      </a:r>
-                    </a:p>
-                  </a:txBody>
-                  <a:tcPr/>
-                </a:tc>
-                <a:extLst>
-                  <a:ext uri="{0D108BD9-81ED-4DB2-BD59-A6C34878D82A}">
-                    <a16:rowId xmlns:a16="http://schemas.microsoft.com/office/drawing/2014/main" val="971419476"/>
-                  </a:ext>
-                </a:extLst>
-              </a:tr>
-              <a:tr h="776515">
-                <a:tc>
-                  <a:txBody>
-                    <a:bodyPr/>
-                    <a:lstStyle/>
-                    <a:p>
-                      <a:r>
-                        <a:rPr lang="en-US" dirty="0" err="1"/>
-                        <a:t>WhatsInMyFridge</a:t>
-                      </a:r>
-                      <a:r>
-                        <a:rPr lang="en-US" dirty="0"/>
-                        <a:t>?</a:t>
-                      </a:r>
-                    </a:p>
-                  </a:txBody>
-                  <a:tcPr/>
-                </a:tc>
-                <a:tc>
-                  <a:txBody>
-                    <a:bodyPr/>
-                    <a:lstStyle/>
-                    <a:p>
-                      <a:r>
-                        <a:rPr lang="en-US" dirty="0"/>
-                        <a:t>1</a:t>
-                      </a:r>
-                    </a:p>
-                  </a:txBody>
-                  <a:tcPr/>
-                </a:tc>
-                <a:tc>
-                  <a:txBody>
-                    <a:bodyPr/>
-                    <a:lstStyle/>
-                    <a:p>
-                      <a:pPr marL="0" marR="0" lvl="0" indent="0" algn="l" defTabSz="457200" rtl="0" eaLnBrk="1" fontAlgn="auto" latinLnBrk="0" hangingPunct="1">
-                        <a:lnSpc>
-                          <a:spcPct val="100000"/>
-                        </a:lnSpc>
-                        <a:spcBef>
-                          <a:spcPts val="0"/>
-                        </a:spcBef>
-                        <a:spcAft>
-                          <a:spcPts val="0"/>
-                        </a:spcAft>
-                        <a:buClrTx/>
-                        <a:buSzTx/>
-                        <a:buFontTx/>
-                        <a:buNone/>
-                        <a:tabLst/>
-                        <a:defRPr/>
-                      </a:pPr>
-                      <a:r>
-                        <a:rPr lang="en-US" sz="1800" b="0" i="0" kern="1200" dirty="0">
-                          <a:solidFill>
-                            <a:schemeClr val="dk1"/>
-                          </a:solidFill>
-                          <a:effectLst/>
-                          <a:latin typeface="+mn-lt"/>
-                          <a:ea typeface="+mn-ea"/>
-                          <a:cs typeface="+mn-cs"/>
-                        </a:rPr>
-                        <a:t>A website that keeps track of when your food expires</a:t>
-                      </a:r>
-                      <a:endParaRPr lang="en-US" dirty="0"/>
-                    </a:p>
-                    <a:p>
-                      <a:endParaRPr lang="en-US" dirty="0"/>
-                    </a:p>
-                  </a:txBody>
-                  <a:tcPr/>
-                </a:tc>
-                <a:extLst>
-                  <a:ext uri="{0D108BD9-81ED-4DB2-BD59-A6C34878D82A}">
-                    <a16:rowId xmlns:a16="http://schemas.microsoft.com/office/drawing/2014/main" val="3990320007"/>
-                  </a:ext>
-                </a:extLst>
-              </a:tr>
-              <a:tr h="776515">
-                <a:tc>
-                  <a:txBody>
-                    <a:bodyPr/>
-                    <a:lstStyle/>
-                    <a:p>
-                      <a:r>
-                        <a:rPr lang="en-US" dirty="0" err="1"/>
-                        <a:t>EcoList</a:t>
-                      </a:r>
-                      <a:endParaRPr lang="en-US" dirty="0"/>
-                    </a:p>
-                  </a:txBody>
-                  <a:tcPr/>
-                </a:tc>
-                <a:tc>
-                  <a:txBody>
-                    <a:bodyPr/>
-                    <a:lstStyle/>
-                    <a:p>
-                      <a:r>
-                        <a:rPr lang="en-US" dirty="0"/>
-                        <a:t>10</a:t>
-                      </a:r>
-                    </a:p>
-                  </a:txBody>
-                  <a:tcPr/>
-                </a:tc>
-                <a:tc>
-                  <a:txBody>
-                    <a:bodyPr/>
-                    <a:lstStyle/>
-                    <a:p>
-                      <a:r>
-                        <a:rPr lang="en-US" dirty="0"/>
-                        <a:t>Grocery list and meal planner</a:t>
-                      </a:r>
-                    </a:p>
-                  </a:txBody>
-                  <a:tcPr/>
-                </a:tc>
-                <a:extLst>
-                  <a:ext uri="{0D108BD9-81ED-4DB2-BD59-A6C34878D82A}">
-                    <a16:rowId xmlns:a16="http://schemas.microsoft.com/office/drawing/2014/main" val="2733974939"/>
-                  </a:ext>
-                </a:extLst>
-              </a:tr>
-              <a:tr h="776515">
-                <a:tc>
-                  <a:txBody>
-                    <a:bodyPr/>
-                    <a:lstStyle/>
-                    <a:p>
-                      <a:r>
-                        <a:rPr lang="en-US" dirty="0"/>
-                        <a:t>Meal.io</a:t>
-                      </a:r>
-                    </a:p>
-                  </a:txBody>
-                  <a:tcPr/>
-                </a:tc>
-                <a:tc>
-                  <a:txBody>
-                    <a:bodyPr/>
-                    <a:lstStyle/>
-                    <a:p>
-                      <a:r>
-                        <a:rPr lang="en-US" dirty="0"/>
-                        <a:t>29</a:t>
-                      </a:r>
-                    </a:p>
-                  </a:txBody>
-                  <a:tcPr/>
-                </a:tc>
-                <a:tc>
-                  <a:txBody>
-                    <a:bodyPr/>
-                    <a:lstStyle/>
-                    <a:p>
-                      <a:r>
-                        <a:rPr lang="en-US" dirty="0"/>
-                        <a:t>App to help families manage the food in their lives</a:t>
-                      </a:r>
-                    </a:p>
-                  </a:txBody>
-                  <a:tcPr/>
-                </a:tc>
-                <a:extLst>
-                  <a:ext uri="{0D108BD9-81ED-4DB2-BD59-A6C34878D82A}">
-                    <a16:rowId xmlns:a16="http://schemas.microsoft.com/office/drawing/2014/main" val="4049788260"/>
-                  </a:ext>
-                </a:extLst>
-              </a:tr>
-            </a:tbl>
-          </a:graphicData>
-        </a:graphic>
-      </p:graphicFrame>
+          </p:nvPr>
+        </p:nvSpPr>
+        <p:spPr/>
+        <p:txBody>
+          <a:bodyPr>
+            <a:normAutofit/>
+          </a:bodyPr>
+          <a:lstStyle/>
+          <a:p>
+            <a:r>
+              <a:rPr lang="en-US" sz="3200" dirty="0"/>
+              <a:t>For this week we mainly focused on the mobile UI</a:t>
+            </a:r>
+          </a:p>
+          <a:p>
+            <a:r>
+              <a:rPr lang="en-US" sz="3200" dirty="0"/>
+              <a:t>We made sure that the app looks great on both desktop and mobile</a:t>
+            </a:r>
+          </a:p>
+          <a:p>
+            <a:r>
+              <a:rPr lang="en-US" sz="3200" dirty="0"/>
+              <a:t>Made sure that the pages are linked together</a:t>
+            </a:r>
+          </a:p>
+        </p:txBody>
+      </p:sp>
     </p:spTree>
     <p:extLst>
       <p:ext uri="{BB962C8B-B14F-4D97-AF65-F5344CB8AC3E}">
-        <p14:creationId xmlns:p14="http://schemas.microsoft.com/office/powerpoint/2010/main" val="692973527"/>
+        <p14:creationId xmlns:p14="http://schemas.microsoft.com/office/powerpoint/2010/main" val="3002420960"/>
       </p:ext>
     </p:extLst>
   </p:cSld>
@@ -7416,6 +7108,120 @@
 </file>
 
 <file path=ppt/slides/slide8.xml><?xml version="1.0" encoding="utf-8"?>
+<p:sld xmlns:a="http://schemas.openxmlformats.org/drawingml/2006/main" xmlns:r="http://schemas.openxmlformats.org/officeDocument/2006/relationships" xmlns:p="http://schemas.openxmlformats.org/presentationml/2006/main">
+  <p:cSld>
+    <p:spTree>
+      <p:nvGrpSpPr>
+        <p:cNvPr id="1" name=""/>
+        <p:cNvGrpSpPr/>
+        <p:nvPr/>
+      </p:nvGrpSpPr>
+      <p:grpSpPr>
+        <a:xfrm>
+          <a:off x="0" y="0"/>
+          <a:ext cx="0" cy="0"/>
+          <a:chOff x="0" y="0"/>
+          <a:chExt cx="0" cy="0"/>
+        </a:xfrm>
+      </p:grpSpPr>
+      <p:sp>
+        <p:nvSpPr>
+          <p:cNvPr id="2" name="Title 1"/>
+          <p:cNvSpPr>
+            <a:spLocks noGrp="1"/>
+          </p:cNvSpPr>
+          <p:nvPr>
+            <p:ph type="title"/>
+          </p:nvPr>
+        </p:nvSpPr>
+        <p:spPr/>
+        <p:txBody>
+          <a:bodyPr/>
+          <a:lstStyle/>
+          <a:p>
+            <a:r>
+              <a:rPr lang="en-US" dirty="0"/>
+              <a:t>Task Planning</a:t>
+            </a:r>
+          </a:p>
+        </p:txBody>
+      </p:sp>
+      <p:sp>
+        <p:nvSpPr>
+          <p:cNvPr id="3" name="Content Placeholder 2"/>
+          <p:cNvSpPr>
+            <a:spLocks noGrp="1"/>
+          </p:cNvSpPr>
+          <p:nvPr>
+            <p:ph idx="1"/>
+          </p:nvPr>
+        </p:nvSpPr>
+        <p:spPr>
+          <a:xfrm>
+            <a:off x="677334" y="1567543"/>
+            <a:ext cx="8771466" cy="4473819"/>
+          </a:xfrm>
+        </p:spPr>
+        <p:txBody>
+          <a:bodyPr>
+            <a:normAutofit/>
+          </a:bodyPr>
+          <a:lstStyle/>
+          <a:p>
+            <a:pPr marL="0" indent="0">
+              <a:buNone/>
+            </a:pPr>
+            <a:r>
+              <a:rPr lang="en-US" sz="2800" dirty="0"/>
+              <a:t>For our group we’ve all talked together to see what needs to be done for this week and work from there.</a:t>
+            </a:r>
+          </a:p>
+          <a:p>
+            <a:pPr marL="0" indent="0">
+              <a:buNone/>
+            </a:pPr>
+            <a:endParaRPr lang="en-US" sz="2800" dirty="0"/>
+          </a:p>
+          <a:p>
+            <a:pPr marL="0" indent="0">
+              <a:buNone/>
+            </a:pPr>
+            <a:r>
+              <a:rPr lang="en-US" sz="2800" dirty="0"/>
+              <a:t>We list the stuff that needs to be worked on and we each pick from that list.</a:t>
+            </a:r>
+          </a:p>
+          <a:p>
+            <a:pPr marL="0" indent="0">
+              <a:buNone/>
+            </a:pPr>
+            <a:endParaRPr lang="en-US" sz="2800" dirty="0"/>
+          </a:p>
+          <a:p>
+            <a:pPr marL="0" indent="0">
+              <a:buNone/>
+            </a:pPr>
+            <a:r>
+              <a:rPr lang="en-US" sz="2800" dirty="0"/>
+              <a:t>Once the task is completed we report that on the google doc</a:t>
+            </a:r>
+          </a:p>
+        </p:txBody>
+      </p:sp>
+    </p:spTree>
+    <p:extLst>
+      <p:ext uri="{BB962C8B-B14F-4D97-AF65-F5344CB8AC3E}">
+        <p14:creationId xmlns:p14="http://schemas.microsoft.com/office/powerpoint/2010/main" val="3060529513"/>
+      </p:ext>
+    </p:extLst>
+  </p:cSld>
+  <p:clrMapOvr>
+    <a:masterClrMapping/>
+  </p:clrMapOvr>
+</p:sld>
+</file>
+
+<file path=ppt/slides/slide9.xml><?xml version="1.0" encoding="utf-8"?>
 <p:sld xmlns:a="http://schemas.openxmlformats.org/drawingml/2006/main" xmlns:r="http://schemas.openxmlformats.org/officeDocument/2006/relationships" xmlns:p="http://schemas.openxmlformats.org/presentationml/2006/main">
   <p:cSld>
     <p:spTree>
